--- a/src/Layout/Visuel_ecran.pptx
+++ b/src/Layout/Visuel_ecran.pptx
@@ -113,6 +113,11 @@
       </a:defRPr>
     </a:lvl9pPr>
   </p:defaultTextStyle>
+  <p:extLst>
+    <p:ext uri="{EFAFB233-063F-42B5-8137-9DF3F51BA10A}">
+      <p15:sldGuideLst xmlns:p15="http://schemas.microsoft.com/office/powerpoint/2012/main"/>
+    </p:ext>
+  </p:extLst>
 </p:presentation>
 </file>
 
@@ -247,7 +252,7 @@
           <a:p>
             <a:fld id="{7833CD60-A37C-4C79-8A65-B2C978C46171}" type="datetimeFigureOut">
               <a:rPr lang="en-US" smtClean="0"/>
-              <a:t>4/10/2016</a:t>
+              <a:t>5/7/2016</a:t>
             </a:fld>
             <a:endParaRPr lang="en-US"/>
           </a:p>
@@ -417,7 +422,7 @@
           <a:p>
             <a:fld id="{7833CD60-A37C-4C79-8A65-B2C978C46171}" type="datetimeFigureOut">
               <a:rPr lang="en-US" smtClean="0"/>
-              <a:t>4/10/2016</a:t>
+              <a:t>5/7/2016</a:t>
             </a:fld>
             <a:endParaRPr lang="en-US"/>
           </a:p>
@@ -597,7 +602,7 @@
           <a:p>
             <a:fld id="{7833CD60-A37C-4C79-8A65-B2C978C46171}" type="datetimeFigureOut">
               <a:rPr lang="en-US" smtClean="0"/>
-              <a:t>4/10/2016</a:t>
+              <a:t>5/7/2016</a:t>
             </a:fld>
             <a:endParaRPr lang="en-US"/>
           </a:p>
@@ -767,7 +772,7 @@
           <a:p>
             <a:fld id="{7833CD60-A37C-4C79-8A65-B2C978C46171}" type="datetimeFigureOut">
               <a:rPr lang="en-US" smtClean="0"/>
-              <a:t>4/10/2016</a:t>
+              <a:t>5/7/2016</a:t>
             </a:fld>
             <a:endParaRPr lang="en-US"/>
           </a:p>
@@ -1013,7 +1018,7 @@
           <a:p>
             <a:fld id="{7833CD60-A37C-4C79-8A65-B2C978C46171}" type="datetimeFigureOut">
               <a:rPr lang="en-US" smtClean="0"/>
-              <a:t>4/10/2016</a:t>
+              <a:t>5/7/2016</a:t>
             </a:fld>
             <a:endParaRPr lang="en-US"/>
           </a:p>
@@ -1245,7 +1250,7 @@
           <a:p>
             <a:fld id="{7833CD60-A37C-4C79-8A65-B2C978C46171}" type="datetimeFigureOut">
               <a:rPr lang="en-US" smtClean="0"/>
-              <a:t>4/10/2016</a:t>
+              <a:t>5/7/2016</a:t>
             </a:fld>
             <a:endParaRPr lang="en-US"/>
           </a:p>
@@ -1612,7 +1617,7 @@
           <a:p>
             <a:fld id="{7833CD60-A37C-4C79-8A65-B2C978C46171}" type="datetimeFigureOut">
               <a:rPr lang="en-US" smtClean="0"/>
-              <a:t>4/10/2016</a:t>
+              <a:t>5/7/2016</a:t>
             </a:fld>
             <a:endParaRPr lang="en-US"/>
           </a:p>
@@ -1730,7 +1735,7 @@
           <a:p>
             <a:fld id="{7833CD60-A37C-4C79-8A65-B2C978C46171}" type="datetimeFigureOut">
               <a:rPr lang="en-US" smtClean="0"/>
-              <a:t>4/10/2016</a:t>
+              <a:t>5/7/2016</a:t>
             </a:fld>
             <a:endParaRPr lang="en-US"/>
           </a:p>
@@ -1825,7 +1830,7 @@
           <a:p>
             <a:fld id="{7833CD60-A37C-4C79-8A65-B2C978C46171}" type="datetimeFigureOut">
               <a:rPr lang="en-US" smtClean="0"/>
-              <a:t>4/10/2016</a:t>
+              <a:t>5/7/2016</a:t>
             </a:fld>
             <a:endParaRPr lang="en-US"/>
           </a:p>
@@ -2102,7 +2107,7 @@
           <a:p>
             <a:fld id="{7833CD60-A37C-4C79-8A65-B2C978C46171}" type="datetimeFigureOut">
               <a:rPr lang="en-US" smtClean="0"/>
-              <a:t>4/10/2016</a:t>
+              <a:t>5/7/2016</a:t>
             </a:fld>
             <a:endParaRPr lang="en-US"/>
           </a:p>
@@ -2355,7 +2360,7 @@
           <a:p>
             <a:fld id="{7833CD60-A37C-4C79-8A65-B2C978C46171}" type="datetimeFigureOut">
               <a:rPr lang="en-US" smtClean="0"/>
-              <a:t>4/10/2016</a:t>
+              <a:t>5/7/2016</a:t>
             </a:fld>
             <a:endParaRPr lang="en-US"/>
           </a:p>
@@ -2568,7 +2573,7 @@
           <a:p>
             <a:fld id="{7833CD60-A37C-4C79-8A65-B2C978C46171}" type="datetimeFigureOut">
               <a:rPr lang="en-US" smtClean="0"/>
-              <a:t>4/10/2016</a:t>
+              <a:t>5/7/2016</a:t>
             </a:fld>
             <a:endParaRPr lang="en-US"/>
           </a:p>
@@ -3041,7 +3046,6 @@
               <a:rPr lang="fr-FR" dirty="0" smtClean="0"/>
               <a:t>Menu</a:t>
             </a:r>
-            <a:endParaRPr lang="fr-FR" dirty="0" smtClean="0"/>
           </a:p>
           <a:p>
             <a:pPr marL="514350" indent="-514350">
@@ -3072,7 +3076,6 @@
               <a:rPr lang="fr-FR" dirty="0" smtClean="0"/>
               <a:t>Véhicule</a:t>
             </a:r>
-            <a:endParaRPr lang="fr-FR" dirty="0" smtClean="0"/>
           </a:p>
           <a:p>
             <a:pPr marL="514350" indent="-514350">
@@ -4861,36 +4864,6 @@
           </a:p>
         </p:txBody>
       </p:sp>
-      <p:cxnSp>
-        <p:nvCxnSpPr>
-          <p:cNvPr id="39" name="Connecteur droit 38"/>
-          <p:cNvCxnSpPr/>
-          <p:nvPr/>
-        </p:nvCxnSpPr>
-        <p:spPr>
-          <a:xfrm>
-            <a:off x="1058779" y="3804685"/>
-            <a:ext cx="5285873" cy="0"/>
-          </a:xfrm>
-          <a:prstGeom prst="line">
-            <a:avLst/>
-          </a:prstGeom>
-        </p:spPr>
-        <p:style>
-          <a:lnRef idx="1">
-            <a:schemeClr val="accent1"/>
-          </a:lnRef>
-          <a:fillRef idx="0">
-            <a:schemeClr val="accent1"/>
-          </a:fillRef>
-          <a:effectRef idx="0">
-            <a:schemeClr val="accent1"/>
-          </a:effectRef>
-          <a:fontRef idx="minor">
-            <a:schemeClr val="tx1"/>
-          </a:fontRef>
-        </p:style>
-      </p:cxnSp>
       <p:sp>
         <p:nvSpPr>
           <p:cNvPr id="41" name="Rectangle 40"/>

--- a/src/Layout/Visuel_ecran.pptx
+++ b/src/Layout/Visuel_ecran.pptx
@@ -15,6 +15,7 @@
     <p:sldId id="261" r:id="rId9"/>
     <p:sldId id="265" r:id="rId10"/>
     <p:sldId id="266" r:id="rId11"/>
+    <p:sldId id="270" r:id="rId12"/>
   </p:sldIdLst>
   <p:sldSz cx="12192000" cy="6858000"/>
   <p:notesSz cx="6858000" cy="9144000"/>
@@ -252,7 +253,7 @@
           <a:p>
             <a:fld id="{7833CD60-A37C-4C79-8A65-B2C978C46171}" type="datetimeFigureOut">
               <a:rPr lang="en-US" smtClean="0"/>
-              <a:t>5/7/2016</a:t>
+              <a:t>5/8/2016</a:t>
             </a:fld>
             <a:endParaRPr lang="en-US"/>
           </a:p>
@@ -422,7 +423,7 @@
           <a:p>
             <a:fld id="{7833CD60-A37C-4C79-8A65-B2C978C46171}" type="datetimeFigureOut">
               <a:rPr lang="en-US" smtClean="0"/>
-              <a:t>5/7/2016</a:t>
+              <a:t>5/8/2016</a:t>
             </a:fld>
             <a:endParaRPr lang="en-US"/>
           </a:p>
@@ -602,7 +603,7 @@
           <a:p>
             <a:fld id="{7833CD60-A37C-4C79-8A65-B2C978C46171}" type="datetimeFigureOut">
               <a:rPr lang="en-US" smtClean="0"/>
-              <a:t>5/7/2016</a:t>
+              <a:t>5/8/2016</a:t>
             </a:fld>
             <a:endParaRPr lang="en-US"/>
           </a:p>
@@ -772,7 +773,7 @@
           <a:p>
             <a:fld id="{7833CD60-A37C-4C79-8A65-B2C978C46171}" type="datetimeFigureOut">
               <a:rPr lang="en-US" smtClean="0"/>
-              <a:t>5/7/2016</a:t>
+              <a:t>5/8/2016</a:t>
             </a:fld>
             <a:endParaRPr lang="en-US"/>
           </a:p>
@@ -1018,7 +1019,7 @@
           <a:p>
             <a:fld id="{7833CD60-A37C-4C79-8A65-B2C978C46171}" type="datetimeFigureOut">
               <a:rPr lang="en-US" smtClean="0"/>
-              <a:t>5/7/2016</a:t>
+              <a:t>5/8/2016</a:t>
             </a:fld>
             <a:endParaRPr lang="en-US"/>
           </a:p>
@@ -1250,7 +1251,7 @@
           <a:p>
             <a:fld id="{7833CD60-A37C-4C79-8A65-B2C978C46171}" type="datetimeFigureOut">
               <a:rPr lang="en-US" smtClean="0"/>
-              <a:t>5/7/2016</a:t>
+              <a:t>5/8/2016</a:t>
             </a:fld>
             <a:endParaRPr lang="en-US"/>
           </a:p>
@@ -1617,7 +1618,7 @@
           <a:p>
             <a:fld id="{7833CD60-A37C-4C79-8A65-B2C978C46171}" type="datetimeFigureOut">
               <a:rPr lang="en-US" smtClean="0"/>
-              <a:t>5/7/2016</a:t>
+              <a:t>5/8/2016</a:t>
             </a:fld>
             <a:endParaRPr lang="en-US"/>
           </a:p>
@@ -1735,7 +1736,7 @@
           <a:p>
             <a:fld id="{7833CD60-A37C-4C79-8A65-B2C978C46171}" type="datetimeFigureOut">
               <a:rPr lang="en-US" smtClean="0"/>
-              <a:t>5/7/2016</a:t>
+              <a:t>5/8/2016</a:t>
             </a:fld>
             <a:endParaRPr lang="en-US"/>
           </a:p>
@@ -1830,7 +1831,7 @@
           <a:p>
             <a:fld id="{7833CD60-A37C-4C79-8A65-B2C978C46171}" type="datetimeFigureOut">
               <a:rPr lang="en-US" smtClean="0"/>
-              <a:t>5/7/2016</a:t>
+              <a:t>5/8/2016</a:t>
             </a:fld>
             <a:endParaRPr lang="en-US"/>
           </a:p>
@@ -2107,7 +2108,7 @@
           <a:p>
             <a:fld id="{7833CD60-A37C-4C79-8A65-B2C978C46171}" type="datetimeFigureOut">
               <a:rPr lang="en-US" smtClean="0"/>
-              <a:t>5/7/2016</a:t>
+              <a:t>5/8/2016</a:t>
             </a:fld>
             <a:endParaRPr lang="en-US"/>
           </a:p>
@@ -2360,7 +2361,7 @@
           <a:p>
             <a:fld id="{7833CD60-A37C-4C79-8A65-B2C978C46171}" type="datetimeFigureOut">
               <a:rPr lang="en-US" smtClean="0"/>
-              <a:t>5/7/2016</a:t>
+              <a:t>5/8/2016</a:t>
             </a:fld>
             <a:endParaRPr lang="en-US"/>
           </a:p>
@@ -2573,7 +2574,7 @@
           <a:p>
             <a:fld id="{7833CD60-A37C-4C79-8A65-B2C978C46171}" type="datetimeFigureOut">
               <a:rPr lang="en-US" smtClean="0"/>
-              <a:t>5/7/2016</a:t>
+              <a:t>5/8/2016</a:t>
             </a:fld>
             <a:endParaRPr lang="en-US"/>
           </a:p>
@@ -3014,7 +3015,7 @@
         <p:spPr/>
         <p:txBody>
           <a:bodyPr>
-            <a:normAutofit fontScale="92500" lnSpcReduction="20000"/>
+            <a:normAutofit fontScale="85000" lnSpcReduction="20000"/>
           </a:bodyPr>
           <a:lstStyle/>
           <a:p>
@@ -3114,7 +3115,21 @@
             </a:pPr>
             <a:r>
               <a:rPr lang="fr-FR" dirty="0" smtClean="0"/>
-              <a:t>Formulaire Devis</a:t>
+              <a:t>Formulaire </a:t>
+            </a:r>
+            <a:r>
+              <a:rPr lang="fr-FR" dirty="0" smtClean="0"/>
+              <a:t>Devis</a:t>
+            </a:r>
+          </a:p>
+          <a:p>
+            <a:pPr marL="514350" indent="-514350">
+              <a:buFont typeface="+mj-lt"/>
+              <a:buAutoNum type="arabicPeriod"/>
+            </a:pPr>
+            <a:r>
+              <a:rPr lang="fr-FR" dirty="0" smtClean="0"/>
+              <a:t>Retour véhicule</a:t>
             </a:r>
             <a:endParaRPr lang="en-US" dirty="0"/>
           </a:p>
@@ -3414,6 +3429,673 @@
 </p:sld>
 </file>
 
+<file path=ppt/slides/slide11.xml><?xml version="1.0" encoding="utf-8"?>
+<p:sld xmlns:a="http://schemas.openxmlformats.org/drawingml/2006/main" xmlns:r="http://schemas.openxmlformats.org/officeDocument/2006/relationships" xmlns:p="http://schemas.openxmlformats.org/presentationml/2006/main">
+  <p:cSld>
+    <p:spTree>
+      <p:nvGrpSpPr>
+        <p:cNvPr id="1" name=""/>
+        <p:cNvGrpSpPr/>
+        <p:nvPr/>
+      </p:nvGrpSpPr>
+      <p:grpSpPr>
+        <a:xfrm>
+          <a:off x="0" y="0"/>
+          <a:ext cx="0" cy="0"/>
+          <a:chOff x="0" y="0"/>
+          <a:chExt cx="0" cy="0"/>
+        </a:xfrm>
+      </p:grpSpPr>
+      <p:sp>
+        <p:nvSpPr>
+          <p:cNvPr id="2" name="Rectangle 1"/>
+          <p:cNvSpPr/>
+          <p:nvPr/>
+        </p:nvSpPr>
+        <p:spPr>
+          <a:xfrm>
+            <a:off x="962526" y="577516"/>
+            <a:ext cx="10635916" cy="5694947"/>
+          </a:xfrm>
+          <a:prstGeom prst="rect">
+            <a:avLst/>
+          </a:prstGeom>
+          <a:noFill/>
+        </p:spPr>
+        <p:style>
+          <a:lnRef idx="2">
+            <a:schemeClr val="accent1">
+              <a:shade val="50000"/>
+            </a:schemeClr>
+          </a:lnRef>
+          <a:fillRef idx="1">
+            <a:schemeClr val="accent1"/>
+          </a:fillRef>
+          <a:effectRef idx="0">
+            <a:schemeClr val="accent1"/>
+          </a:effectRef>
+          <a:fontRef idx="minor">
+            <a:schemeClr val="lt1"/>
+          </a:fontRef>
+        </p:style>
+        <p:txBody>
+          <a:bodyPr rtlCol="0" anchor="ctr"/>
+          <a:lstStyle/>
+          <a:p>
+            <a:pPr algn="ctr"/>
+            <a:endParaRPr lang="en-US"/>
+          </a:p>
+        </p:txBody>
+      </p:sp>
+      <p:cxnSp>
+        <p:nvCxnSpPr>
+          <p:cNvPr id="4" name="Connecteur droit 3"/>
+          <p:cNvCxnSpPr/>
+          <p:nvPr/>
+        </p:nvCxnSpPr>
+        <p:spPr>
+          <a:xfrm flipV="1">
+            <a:off x="962526" y="1507958"/>
+            <a:ext cx="10635916" cy="48126"/>
+          </a:xfrm>
+          <a:prstGeom prst="line">
+            <a:avLst/>
+          </a:prstGeom>
+        </p:spPr>
+        <p:style>
+          <a:lnRef idx="1">
+            <a:schemeClr val="accent1"/>
+          </a:lnRef>
+          <a:fillRef idx="0">
+            <a:schemeClr val="accent1"/>
+          </a:fillRef>
+          <a:effectRef idx="0">
+            <a:schemeClr val="accent1"/>
+          </a:effectRef>
+          <a:fontRef idx="minor">
+            <a:schemeClr val="tx1"/>
+          </a:fontRef>
+        </p:style>
+      </p:cxnSp>
+      <p:cxnSp>
+        <p:nvCxnSpPr>
+          <p:cNvPr id="6" name="Connecteur droit 5"/>
+          <p:cNvCxnSpPr/>
+          <p:nvPr/>
+        </p:nvCxnSpPr>
+        <p:spPr>
+          <a:xfrm>
+            <a:off x="962526" y="5197642"/>
+            <a:ext cx="10635916" cy="32084"/>
+          </a:xfrm>
+          <a:prstGeom prst="line">
+            <a:avLst/>
+          </a:prstGeom>
+        </p:spPr>
+        <p:style>
+          <a:lnRef idx="1">
+            <a:schemeClr val="accent1"/>
+          </a:lnRef>
+          <a:fillRef idx="0">
+            <a:schemeClr val="accent1"/>
+          </a:fillRef>
+          <a:effectRef idx="0">
+            <a:schemeClr val="accent1"/>
+          </a:effectRef>
+          <a:fontRef idx="minor">
+            <a:schemeClr val="tx1"/>
+          </a:fontRef>
+        </p:style>
+      </p:cxnSp>
+      <p:sp>
+        <p:nvSpPr>
+          <p:cNvPr id="3" name="ZoneTexte 2"/>
+          <p:cNvSpPr txBox="1"/>
+          <p:nvPr/>
+        </p:nvSpPr>
+        <p:spPr>
+          <a:xfrm>
+            <a:off x="4823584" y="901025"/>
+            <a:ext cx="2761718" cy="461665"/>
+          </a:xfrm>
+          <a:prstGeom prst="rect">
+            <a:avLst/>
+          </a:prstGeom>
+          <a:noFill/>
+        </p:spPr>
+        <p:txBody>
+          <a:bodyPr wrap="none" rtlCol="0">
+            <a:spAutoFit/>
+          </a:bodyPr>
+          <a:lstStyle/>
+          <a:p>
+            <a:r>
+              <a:rPr lang="fr-FR" sz="2400" dirty="0"/>
+              <a:t>Retour d’un véhicule</a:t>
+            </a:r>
+            <a:endParaRPr lang="en-US" sz="2400" dirty="0"/>
+          </a:p>
+        </p:txBody>
+      </p:sp>
+      <p:sp>
+        <p:nvSpPr>
+          <p:cNvPr id="5" name="ZoneTexte 4"/>
+          <p:cNvSpPr txBox="1"/>
+          <p:nvPr/>
+        </p:nvSpPr>
+        <p:spPr>
+          <a:xfrm>
+            <a:off x="5670787" y="5501635"/>
+            <a:ext cx="1123978" cy="461665"/>
+          </a:xfrm>
+          <a:prstGeom prst="rect">
+            <a:avLst/>
+          </a:prstGeom>
+          <a:noFill/>
+        </p:spPr>
+        <p:txBody>
+          <a:bodyPr wrap="square" rtlCol="0">
+            <a:spAutoFit/>
+          </a:bodyPr>
+          <a:lstStyle/>
+          <a:p>
+            <a:r>
+              <a:rPr lang="fr-FR" sz="2400" dirty="0" smtClean="0"/>
+              <a:t>Retour</a:t>
+            </a:r>
+            <a:endParaRPr lang="en-US" sz="2400" dirty="0"/>
+          </a:p>
+        </p:txBody>
+      </p:sp>
+      <p:sp>
+        <p:nvSpPr>
+          <p:cNvPr id="18" name="ZoneTexte 17"/>
+          <p:cNvSpPr txBox="1"/>
+          <p:nvPr/>
+        </p:nvSpPr>
+        <p:spPr>
+          <a:xfrm>
+            <a:off x="6651321" y="5576148"/>
+            <a:ext cx="301686" cy="369332"/>
+          </a:xfrm>
+          <a:prstGeom prst="rect">
+            <a:avLst/>
+          </a:prstGeom>
+          <a:noFill/>
+        </p:spPr>
+        <p:txBody>
+          <a:bodyPr wrap="none" rtlCol="0">
+            <a:spAutoFit/>
+          </a:bodyPr>
+          <a:lstStyle/>
+          <a:p>
+            <a:r>
+              <a:rPr lang="fr-FR" dirty="0" smtClean="0">
+                <a:solidFill>
+                  <a:srgbClr val="FF0000"/>
+                </a:solidFill>
+              </a:rPr>
+              <a:t>3</a:t>
+            </a:r>
+            <a:endParaRPr lang="en-US" dirty="0">
+              <a:solidFill>
+                <a:srgbClr val="FF0000"/>
+              </a:solidFill>
+            </a:endParaRPr>
+          </a:p>
+        </p:txBody>
+      </p:sp>
+      <p:sp>
+        <p:nvSpPr>
+          <p:cNvPr id="19" name="ZoneTexte 18"/>
+          <p:cNvSpPr txBox="1"/>
+          <p:nvPr/>
+        </p:nvSpPr>
+        <p:spPr>
+          <a:xfrm>
+            <a:off x="2748213" y="2039318"/>
+            <a:ext cx="1786002" cy="369332"/>
+          </a:xfrm>
+          <a:prstGeom prst="rect">
+            <a:avLst/>
+          </a:prstGeom>
+          <a:noFill/>
+        </p:spPr>
+        <p:txBody>
+          <a:bodyPr wrap="none" rtlCol="0">
+            <a:spAutoFit/>
+          </a:bodyPr>
+          <a:lstStyle/>
+          <a:p>
+            <a:r>
+              <a:rPr lang="fr-FR" dirty="0" smtClean="0"/>
+              <a:t>Numéro du devis</a:t>
+            </a:r>
+            <a:endParaRPr lang="en-US" dirty="0"/>
+          </a:p>
+        </p:txBody>
+      </p:sp>
+      <p:sp>
+        <p:nvSpPr>
+          <p:cNvPr id="21" name="Rectangle 20"/>
+          <p:cNvSpPr/>
+          <p:nvPr/>
+        </p:nvSpPr>
+        <p:spPr>
+          <a:xfrm>
+            <a:off x="4823584" y="2039318"/>
+            <a:ext cx="3309763" cy="369332"/>
+          </a:xfrm>
+          <a:prstGeom prst="rect">
+            <a:avLst/>
+          </a:prstGeom>
+          <a:noFill/>
+        </p:spPr>
+        <p:style>
+          <a:lnRef idx="2">
+            <a:schemeClr val="accent1">
+              <a:shade val="50000"/>
+            </a:schemeClr>
+          </a:lnRef>
+          <a:fillRef idx="1">
+            <a:schemeClr val="accent1"/>
+          </a:fillRef>
+          <a:effectRef idx="0">
+            <a:schemeClr val="accent1"/>
+          </a:effectRef>
+          <a:fontRef idx="minor">
+            <a:schemeClr val="lt1"/>
+          </a:fontRef>
+        </p:style>
+        <p:txBody>
+          <a:bodyPr rtlCol="0" anchor="ctr"/>
+          <a:lstStyle/>
+          <a:p>
+            <a:pPr algn="ctr"/>
+            <a:endParaRPr lang="en-US"/>
+          </a:p>
+        </p:txBody>
+      </p:sp>
+      <p:sp>
+        <p:nvSpPr>
+          <p:cNvPr id="22" name="ZoneTexte 21"/>
+          <p:cNvSpPr txBox="1"/>
+          <p:nvPr/>
+        </p:nvSpPr>
+        <p:spPr>
+          <a:xfrm>
+            <a:off x="8606169" y="2039318"/>
+            <a:ext cx="837089" cy="369332"/>
+          </a:xfrm>
+          <a:prstGeom prst="rect">
+            <a:avLst/>
+          </a:prstGeom>
+          <a:noFill/>
+        </p:spPr>
+        <p:txBody>
+          <a:bodyPr wrap="none" rtlCol="0">
+            <a:spAutoFit/>
+          </a:bodyPr>
+          <a:lstStyle/>
+          <a:p>
+            <a:r>
+              <a:rPr lang="fr-FR" dirty="0" smtClean="0"/>
+              <a:t>Valider</a:t>
+            </a:r>
+            <a:endParaRPr lang="en-US" dirty="0"/>
+          </a:p>
+        </p:txBody>
+      </p:sp>
+      <p:sp>
+        <p:nvSpPr>
+          <p:cNvPr id="23" name="Rectangle 22"/>
+          <p:cNvSpPr/>
+          <p:nvPr/>
+        </p:nvSpPr>
+        <p:spPr>
+          <a:xfrm>
+            <a:off x="8422716" y="2039318"/>
+            <a:ext cx="1307431" cy="369332"/>
+          </a:xfrm>
+          <a:prstGeom prst="rect">
+            <a:avLst/>
+          </a:prstGeom>
+          <a:noFill/>
+        </p:spPr>
+        <p:style>
+          <a:lnRef idx="2">
+            <a:schemeClr val="accent1">
+              <a:shade val="50000"/>
+            </a:schemeClr>
+          </a:lnRef>
+          <a:fillRef idx="1">
+            <a:schemeClr val="accent1"/>
+          </a:fillRef>
+          <a:effectRef idx="0">
+            <a:schemeClr val="accent1"/>
+          </a:effectRef>
+          <a:fontRef idx="minor">
+            <a:schemeClr val="lt1"/>
+          </a:fontRef>
+        </p:style>
+        <p:txBody>
+          <a:bodyPr rtlCol="0" anchor="ctr"/>
+          <a:lstStyle/>
+          <a:p>
+            <a:pPr algn="ctr"/>
+            <a:endParaRPr lang="en-US"/>
+          </a:p>
+        </p:txBody>
+      </p:sp>
+      <p:sp>
+        <p:nvSpPr>
+          <p:cNvPr id="24" name="ZoneTexte 23"/>
+          <p:cNvSpPr txBox="1"/>
+          <p:nvPr/>
+        </p:nvSpPr>
+        <p:spPr>
+          <a:xfrm>
+            <a:off x="9406266" y="2062402"/>
+            <a:ext cx="301686" cy="369332"/>
+          </a:xfrm>
+          <a:prstGeom prst="rect">
+            <a:avLst/>
+          </a:prstGeom>
+          <a:noFill/>
+        </p:spPr>
+        <p:txBody>
+          <a:bodyPr wrap="none" rtlCol="0">
+            <a:spAutoFit/>
+          </a:bodyPr>
+          <a:lstStyle/>
+          <a:p>
+            <a:r>
+              <a:rPr lang="fr-FR" dirty="0">
+                <a:solidFill>
+                  <a:srgbClr val="FF0000"/>
+                </a:solidFill>
+              </a:rPr>
+              <a:t>4</a:t>
+            </a:r>
+            <a:endParaRPr lang="en-US" dirty="0">
+              <a:solidFill>
+                <a:srgbClr val="FF0000"/>
+              </a:solidFill>
+            </a:endParaRPr>
+          </a:p>
+        </p:txBody>
+      </p:sp>
+      <p:sp>
+        <p:nvSpPr>
+          <p:cNvPr id="25" name="ZoneTexte 24"/>
+          <p:cNvSpPr txBox="1"/>
+          <p:nvPr/>
+        </p:nvSpPr>
+        <p:spPr>
+          <a:xfrm>
+            <a:off x="2920551" y="3220782"/>
+            <a:ext cx="1385507" cy="369332"/>
+          </a:xfrm>
+          <a:prstGeom prst="rect">
+            <a:avLst/>
+          </a:prstGeom>
+          <a:noFill/>
+        </p:spPr>
+        <p:txBody>
+          <a:bodyPr wrap="none" rtlCol="0">
+            <a:spAutoFit/>
+          </a:bodyPr>
+          <a:lstStyle/>
+          <a:p>
+            <a:r>
+              <a:rPr lang="fr-FR" dirty="0" smtClean="0"/>
+              <a:t>ID utilisateur</a:t>
+            </a:r>
+            <a:endParaRPr lang="en-US" dirty="0"/>
+          </a:p>
+        </p:txBody>
+      </p:sp>
+      <p:sp>
+        <p:nvSpPr>
+          <p:cNvPr id="26" name="Rectangle 25"/>
+          <p:cNvSpPr/>
+          <p:nvPr/>
+        </p:nvSpPr>
+        <p:spPr>
+          <a:xfrm>
+            <a:off x="4823584" y="3220782"/>
+            <a:ext cx="3309763" cy="369332"/>
+          </a:xfrm>
+          <a:prstGeom prst="rect">
+            <a:avLst/>
+          </a:prstGeom>
+          <a:noFill/>
+        </p:spPr>
+        <p:style>
+          <a:lnRef idx="2">
+            <a:schemeClr val="accent1">
+              <a:shade val="50000"/>
+            </a:schemeClr>
+          </a:lnRef>
+          <a:fillRef idx="1">
+            <a:schemeClr val="accent1"/>
+          </a:fillRef>
+          <a:effectRef idx="0">
+            <a:schemeClr val="accent1"/>
+          </a:effectRef>
+          <a:fontRef idx="minor">
+            <a:schemeClr val="lt1"/>
+          </a:fontRef>
+        </p:style>
+        <p:txBody>
+          <a:bodyPr rtlCol="0" anchor="ctr"/>
+          <a:lstStyle/>
+          <a:p>
+            <a:pPr algn="ctr"/>
+            <a:endParaRPr lang="en-US"/>
+          </a:p>
+        </p:txBody>
+      </p:sp>
+      <p:sp>
+        <p:nvSpPr>
+          <p:cNvPr id="27" name="ZoneTexte 26"/>
+          <p:cNvSpPr txBox="1"/>
+          <p:nvPr/>
+        </p:nvSpPr>
+        <p:spPr>
+          <a:xfrm>
+            <a:off x="8648950" y="3532643"/>
+            <a:ext cx="837089" cy="369332"/>
+          </a:xfrm>
+          <a:prstGeom prst="rect">
+            <a:avLst/>
+          </a:prstGeom>
+          <a:noFill/>
+        </p:spPr>
+        <p:txBody>
+          <a:bodyPr wrap="none" rtlCol="0">
+            <a:spAutoFit/>
+          </a:bodyPr>
+          <a:lstStyle/>
+          <a:p>
+            <a:r>
+              <a:rPr lang="fr-FR" dirty="0" smtClean="0"/>
+              <a:t>Valider</a:t>
+            </a:r>
+            <a:endParaRPr lang="en-US" dirty="0"/>
+          </a:p>
+        </p:txBody>
+      </p:sp>
+      <p:sp>
+        <p:nvSpPr>
+          <p:cNvPr id="28" name="Rectangle 27"/>
+          <p:cNvSpPr/>
+          <p:nvPr/>
+        </p:nvSpPr>
+        <p:spPr>
+          <a:xfrm>
+            <a:off x="8422716" y="3542735"/>
+            <a:ext cx="1307431" cy="369332"/>
+          </a:xfrm>
+          <a:prstGeom prst="rect">
+            <a:avLst/>
+          </a:prstGeom>
+          <a:noFill/>
+        </p:spPr>
+        <p:style>
+          <a:lnRef idx="2">
+            <a:schemeClr val="accent1">
+              <a:shade val="50000"/>
+            </a:schemeClr>
+          </a:lnRef>
+          <a:fillRef idx="1">
+            <a:schemeClr val="accent1"/>
+          </a:fillRef>
+          <a:effectRef idx="0">
+            <a:schemeClr val="accent1"/>
+          </a:effectRef>
+          <a:fontRef idx="minor">
+            <a:schemeClr val="lt1"/>
+          </a:fontRef>
+        </p:style>
+        <p:txBody>
+          <a:bodyPr rtlCol="0" anchor="ctr"/>
+          <a:lstStyle/>
+          <a:p>
+            <a:pPr algn="ctr"/>
+            <a:endParaRPr lang="en-US"/>
+          </a:p>
+        </p:txBody>
+      </p:sp>
+      <p:sp>
+        <p:nvSpPr>
+          <p:cNvPr id="29" name="ZoneTexte 28"/>
+          <p:cNvSpPr txBox="1"/>
+          <p:nvPr/>
+        </p:nvSpPr>
+        <p:spPr>
+          <a:xfrm>
+            <a:off x="9399672" y="3542735"/>
+            <a:ext cx="301686" cy="369332"/>
+          </a:xfrm>
+          <a:prstGeom prst="rect">
+            <a:avLst/>
+          </a:prstGeom>
+          <a:noFill/>
+        </p:spPr>
+        <p:txBody>
+          <a:bodyPr wrap="none" rtlCol="0">
+            <a:spAutoFit/>
+          </a:bodyPr>
+          <a:lstStyle/>
+          <a:p>
+            <a:r>
+              <a:rPr lang="fr-FR" dirty="0">
+                <a:solidFill>
+                  <a:srgbClr val="FF0000"/>
+                </a:solidFill>
+              </a:rPr>
+              <a:t>4</a:t>
+            </a:r>
+            <a:endParaRPr lang="en-US" dirty="0">
+              <a:solidFill>
+                <a:srgbClr val="FF0000"/>
+              </a:solidFill>
+            </a:endParaRPr>
+          </a:p>
+        </p:txBody>
+      </p:sp>
+      <p:sp>
+        <p:nvSpPr>
+          <p:cNvPr id="30" name="ZoneTexte 29"/>
+          <p:cNvSpPr txBox="1"/>
+          <p:nvPr/>
+        </p:nvSpPr>
+        <p:spPr>
+          <a:xfrm>
+            <a:off x="2920551" y="3785573"/>
+            <a:ext cx="1217962" cy="369332"/>
+          </a:xfrm>
+          <a:prstGeom prst="rect">
+            <a:avLst/>
+          </a:prstGeom>
+          <a:noFill/>
+        </p:spPr>
+        <p:txBody>
+          <a:bodyPr wrap="none" rtlCol="0">
+            <a:spAutoFit/>
+          </a:bodyPr>
+          <a:lstStyle/>
+          <a:p>
+            <a:r>
+              <a:rPr lang="fr-FR" dirty="0" smtClean="0"/>
+              <a:t>ID véhicule</a:t>
+            </a:r>
+            <a:endParaRPr lang="en-US" dirty="0"/>
+          </a:p>
+        </p:txBody>
+      </p:sp>
+      <p:sp>
+        <p:nvSpPr>
+          <p:cNvPr id="31" name="Rectangle 30"/>
+          <p:cNvSpPr/>
+          <p:nvPr/>
+        </p:nvSpPr>
+        <p:spPr>
+          <a:xfrm>
+            <a:off x="4823584" y="3815948"/>
+            <a:ext cx="3309763" cy="369332"/>
+          </a:xfrm>
+          <a:prstGeom prst="rect">
+            <a:avLst/>
+          </a:prstGeom>
+          <a:noFill/>
+        </p:spPr>
+        <p:style>
+          <a:lnRef idx="2">
+            <a:schemeClr val="accent1">
+              <a:shade val="50000"/>
+            </a:schemeClr>
+          </a:lnRef>
+          <a:fillRef idx="1">
+            <a:schemeClr val="accent1"/>
+          </a:fillRef>
+          <a:effectRef idx="0">
+            <a:schemeClr val="accent1"/>
+          </a:effectRef>
+          <a:fontRef idx="minor">
+            <a:schemeClr val="lt1"/>
+          </a:fontRef>
+        </p:style>
+        <p:txBody>
+          <a:bodyPr rtlCol="0" anchor="ctr"/>
+          <a:lstStyle/>
+          <a:p>
+            <a:pPr algn="ctr"/>
+            <a:endParaRPr lang="en-US"/>
+          </a:p>
+        </p:txBody>
+      </p:sp>
+    </p:spTree>
+    <p:extLst>
+      <p:ext uri="{BB962C8B-B14F-4D97-AF65-F5344CB8AC3E}">
+        <p14:creationId xmlns:p14="http://schemas.microsoft.com/office/powerpoint/2010/main" val="165452906"/>
+      </p:ext>
+    </p:extLst>
+  </p:cSld>
+  <p:clrMapOvr>
+    <a:masterClrMapping/>
+  </p:clrMapOvr>
+  <p:timing>
+    <p:tnLst>
+      <p:par>
+        <p:cTn id="1" dur="indefinite" restart="never" nodeType="tmRoot"/>
+      </p:par>
+    </p:tnLst>
+  </p:timing>
+</p:sld>
+</file>
+
 <file path=ppt/slides/slide2.xml><?xml version="1.0" encoding="utf-8"?>
 <p:sld xmlns:a="http://schemas.openxmlformats.org/drawingml/2006/main" xmlns:r="http://schemas.openxmlformats.org/officeDocument/2006/relationships" xmlns:p="http://schemas.openxmlformats.org/presentationml/2006/main">
   <p:cSld>
@@ -5248,7 +5930,7 @@
         <p:spPr>
           <a:xfrm>
             <a:off x="5131910" y="4842073"/>
-            <a:ext cx="292068" cy="369332"/>
+            <a:ext cx="418704" cy="369332"/>
           </a:xfrm>
           <a:prstGeom prst="rect">
             <a:avLst/>
@@ -5267,7 +5949,7 @@
                   <a:srgbClr val="FF0000"/>
                 </a:solidFill>
               </a:rPr>
-              <a:t>?</a:t>
+              <a:t>11</a:t>
             </a:r>
             <a:endParaRPr lang="en-US" dirty="0">
               <a:solidFill>
@@ -5768,7 +6450,7 @@
         <p:spPr>
           <a:xfrm>
             <a:off x="10079836" y="3091699"/>
-            <a:ext cx="292068" cy="369332"/>
+            <a:ext cx="418704" cy="369332"/>
           </a:xfrm>
           <a:prstGeom prst="rect">
             <a:avLst/>
@@ -5787,7 +6469,7 @@
                   <a:srgbClr val="FF0000"/>
                 </a:solidFill>
               </a:rPr>
-              <a:t>?</a:t>
+              <a:t>11</a:t>
             </a:r>
             <a:endParaRPr lang="en-US" dirty="0">
               <a:solidFill>
@@ -6402,7 +7084,7 @@
         <p:spPr>
           <a:xfrm>
             <a:off x="9872921" y="2520330"/>
-            <a:ext cx="292068" cy="369332"/>
+            <a:ext cx="418704" cy="369332"/>
           </a:xfrm>
           <a:prstGeom prst="rect">
             <a:avLst/>
@@ -6421,7 +7103,7 @@
                   <a:srgbClr val="FF0000"/>
                 </a:solidFill>
               </a:rPr>
-              <a:t>?</a:t>
+              <a:t>11</a:t>
             </a:r>
             <a:endParaRPr lang="en-US" dirty="0">
               <a:solidFill>
@@ -6858,8 +7540,8 @@
         </p:nvSpPr>
         <p:spPr>
           <a:xfrm>
-            <a:off x="7975217" y="2493298"/>
-            <a:ext cx="550151" cy="369332"/>
+            <a:off x="8167723" y="3066011"/>
+            <a:ext cx="910186" cy="369332"/>
           </a:xfrm>
           <a:prstGeom prst="rect">
             <a:avLst/>
@@ -6873,8 +7555,12 @@
           <a:lstStyle/>
           <a:p>
             <a:r>
-              <a:rPr lang="fr-FR" dirty="0" err="1" smtClean="0"/>
-              <a:t>hhh</a:t>
+              <a:rPr lang="fr-FR" dirty="0"/>
+              <a:t>R</a:t>
+            </a:r>
+            <a:r>
+              <a:rPr lang="fr-FR" dirty="0" smtClean="0"/>
+              <a:t>endre </a:t>
             </a:r>
             <a:endParaRPr lang="en-US" dirty="0"/>
           </a:p>
@@ -7133,6 +7819,77 @@
                 <a:srgbClr val="FF0000"/>
               </a:solidFill>
             </a:endParaRPr>
+          </a:p>
+        </p:txBody>
+      </p:sp>
+      <p:sp>
+        <p:nvSpPr>
+          <p:cNvPr id="22" name="ZoneTexte 21"/>
+          <p:cNvSpPr txBox="1"/>
+          <p:nvPr/>
+        </p:nvSpPr>
+        <p:spPr>
+          <a:xfrm>
+            <a:off x="8167724" y="2480293"/>
+            <a:ext cx="1250855" cy="369332"/>
+          </a:xfrm>
+          <a:prstGeom prst="rect">
+            <a:avLst/>
+          </a:prstGeom>
+          <a:noFill/>
+        </p:spPr>
+        <p:txBody>
+          <a:bodyPr wrap="none" rtlCol="0">
+            <a:spAutoFit/>
+          </a:bodyPr>
+          <a:lstStyle/>
+          <a:p>
+            <a:r>
+              <a:rPr lang="fr-FR" dirty="0" smtClean="0"/>
+              <a:t>Emprunter </a:t>
+            </a:r>
+            <a:endParaRPr lang="en-US" dirty="0"/>
+          </a:p>
+        </p:txBody>
+      </p:sp>
+      <p:sp>
+        <p:nvSpPr>
+          <p:cNvPr id="23" name="Rectangle 22"/>
+          <p:cNvSpPr/>
+          <p:nvPr/>
+        </p:nvSpPr>
+        <p:spPr>
+          <a:xfrm>
+            <a:off x="7693400" y="3051669"/>
+            <a:ext cx="2372834" cy="497850"/>
+          </a:xfrm>
+          <a:prstGeom prst="rect">
+            <a:avLst/>
+          </a:prstGeom>
+          <a:noFill/>
+        </p:spPr>
+        <p:style>
+          <a:lnRef idx="2">
+            <a:schemeClr val="accent1">
+              <a:shade val="50000"/>
+            </a:schemeClr>
+          </a:lnRef>
+          <a:fillRef idx="1">
+            <a:schemeClr val="accent1"/>
+          </a:fillRef>
+          <a:effectRef idx="0">
+            <a:schemeClr val="accent1"/>
+          </a:effectRef>
+          <a:fontRef idx="minor">
+            <a:schemeClr val="lt1"/>
+          </a:fontRef>
+        </p:style>
+        <p:txBody>
+          <a:bodyPr rtlCol="0" anchor="ctr"/>
+          <a:lstStyle/>
+          <a:p>
+            <a:pPr algn="ctr"/>
+            <a:endParaRPr lang="en-US"/>
           </a:p>
         </p:txBody>
       </p:sp>

--- a/src/Layout/Visuel_ecran.pptx
+++ b/src/Layout/Visuel_ecran.pptx
@@ -3115,11 +3115,7 @@
             </a:pPr>
             <a:r>
               <a:rPr lang="fr-FR" dirty="0" smtClean="0"/>
-              <a:t>Formulaire </a:t>
-            </a:r>
-            <a:r>
-              <a:rPr lang="fr-FR" dirty="0" smtClean="0"/>
-              <a:t>Devis</a:t>
+              <a:t>Formulaire Devis</a:t>
             </a:r>
           </a:p>
           <a:p>
@@ -3172,243 +3168,28 @@
           <a:chExt cx="0" cy="0"/>
         </a:xfrm>
       </p:grpSpPr>
-      <p:sp>
-        <p:nvSpPr>
-          <p:cNvPr id="2" name="Rectangle 1"/>
-          <p:cNvSpPr/>
-          <p:nvPr/>
-        </p:nvSpPr>
-        <p:spPr>
-          <a:xfrm>
-            <a:off x="962526" y="577516"/>
-            <a:ext cx="10635916" cy="5694947"/>
-          </a:xfrm>
-          <a:prstGeom prst="rect">
-            <a:avLst/>
-          </a:prstGeom>
-          <a:noFill/>
-        </p:spPr>
-        <p:style>
-          <a:lnRef idx="2">
-            <a:schemeClr val="accent1">
-              <a:shade val="50000"/>
-            </a:schemeClr>
-          </a:lnRef>
-          <a:fillRef idx="1">
-            <a:schemeClr val="accent1"/>
-          </a:fillRef>
-          <a:effectRef idx="0">
-            <a:schemeClr val="accent1"/>
-          </a:effectRef>
-          <a:fontRef idx="minor">
-            <a:schemeClr val="lt1"/>
-          </a:fontRef>
-        </p:style>
-        <p:txBody>
-          <a:bodyPr rtlCol="0" anchor="ctr"/>
-          <a:lstStyle/>
-          <a:p>
-            <a:pPr algn="ctr"/>
-            <a:endParaRPr lang="en-US"/>
-          </a:p>
-        </p:txBody>
-      </p:sp>
-      <p:cxnSp>
-        <p:nvCxnSpPr>
-          <p:cNvPr id="4" name="Connecteur droit 3"/>
-          <p:cNvCxnSpPr/>
-          <p:nvPr/>
-        </p:nvCxnSpPr>
-        <p:spPr>
-          <a:xfrm flipV="1">
-            <a:off x="962526" y="1507958"/>
-            <a:ext cx="10635916" cy="48126"/>
-          </a:xfrm>
-          <a:prstGeom prst="line">
-            <a:avLst/>
-          </a:prstGeom>
-        </p:spPr>
-        <p:style>
-          <a:lnRef idx="1">
-            <a:schemeClr val="accent1"/>
-          </a:lnRef>
-          <a:fillRef idx="0">
-            <a:schemeClr val="accent1"/>
-          </a:fillRef>
-          <a:effectRef idx="0">
-            <a:schemeClr val="accent1"/>
-          </a:effectRef>
-          <a:fontRef idx="minor">
-            <a:schemeClr val="tx1"/>
-          </a:fontRef>
-        </p:style>
-      </p:cxnSp>
-      <p:cxnSp>
-        <p:nvCxnSpPr>
-          <p:cNvPr id="6" name="Connecteur droit 5"/>
-          <p:cNvCxnSpPr/>
-          <p:nvPr/>
-        </p:nvCxnSpPr>
-        <p:spPr>
-          <a:xfrm>
-            <a:off x="962526" y="5197642"/>
-            <a:ext cx="10635916" cy="32084"/>
-          </a:xfrm>
-          <a:prstGeom prst="line">
-            <a:avLst/>
-          </a:prstGeom>
-        </p:spPr>
-        <p:style>
-          <a:lnRef idx="1">
-            <a:schemeClr val="accent1"/>
-          </a:lnRef>
-          <a:fillRef idx="0">
-            <a:schemeClr val="accent1"/>
-          </a:fillRef>
-          <a:effectRef idx="0">
-            <a:schemeClr val="accent1"/>
-          </a:effectRef>
-          <a:fontRef idx="minor">
-            <a:schemeClr val="tx1"/>
-          </a:fontRef>
-        </p:style>
-      </p:cxnSp>
-      <p:sp>
-        <p:nvSpPr>
-          <p:cNvPr id="3" name="ZoneTexte 2"/>
-          <p:cNvSpPr txBox="1"/>
-          <p:nvPr/>
-        </p:nvSpPr>
-        <p:spPr>
-          <a:xfrm>
-            <a:off x="4823584" y="901025"/>
-            <a:ext cx="2268442" cy="461665"/>
-          </a:xfrm>
-          <a:prstGeom prst="rect">
-            <a:avLst/>
-          </a:prstGeom>
-          <a:noFill/>
-        </p:spPr>
-        <p:txBody>
-          <a:bodyPr wrap="none" rtlCol="0">
-            <a:spAutoFit/>
-          </a:bodyPr>
-          <a:lstStyle/>
-          <a:p>
-            <a:r>
-              <a:rPr lang="fr-FR" sz="2400" dirty="0" smtClean="0"/>
-              <a:t>Formulaire</a:t>
-            </a:r>
-            <a:r>
-              <a:rPr lang="fr-FR" dirty="0" smtClean="0"/>
-              <a:t> </a:t>
-            </a:r>
-            <a:r>
-              <a:rPr lang="fr-FR" sz="2400" dirty="0" smtClean="0"/>
-              <a:t>Devis</a:t>
-            </a:r>
-            <a:endParaRPr lang="en-US" dirty="0"/>
-          </a:p>
-        </p:txBody>
-      </p:sp>
-      <p:sp>
-        <p:nvSpPr>
-          <p:cNvPr id="5" name="ZoneTexte 4"/>
-          <p:cNvSpPr txBox="1"/>
-          <p:nvPr/>
-        </p:nvSpPr>
-        <p:spPr>
-          <a:xfrm>
-            <a:off x="5718495" y="5414999"/>
-            <a:ext cx="1123978" cy="461665"/>
-          </a:xfrm>
-          <a:prstGeom prst="rect">
-            <a:avLst/>
-          </a:prstGeom>
-          <a:noFill/>
-        </p:spPr>
-        <p:txBody>
-          <a:bodyPr wrap="square" rtlCol="0">
-            <a:spAutoFit/>
-          </a:bodyPr>
-          <a:lstStyle/>
-          <a:p>
-            <a:r>
-              <a:rPr lang="fr-FR" sz="2400" dirty="0" smtClean="0"/>
-              <a:t>Retour</a:t>
-            </a:r>
-            <a:endParaRPr lang="en-US" sz="2400" dirty="0"/>
-          </a:p>
-        </p:txBody>
-      </p:sp>
-      <p:sp>
-        <p:nvSpPr>
-          <p:cNvPr id="14" name="ZoneTexte 13"/>
-          <p:cNvSpPr txBox="1"/>
-          <p:nvPr/>
-        </p:nvSpPr>
-        <p:spPr>
-          <a:xfrm flipH="1">
-            <a:off x="4537508" y="3031958"/>
-            <a:ext cx="3307081" cy="584775"/>
-          </a:xfrm>
-          <a:prstGeom prst="rect">
-            <a:avLst/>
-          </a:prstGeom>
-          <a:noFill/>
-        </p:spPr>
-        <p:txBody>
-          <a:bodyPr wrap="square" rtlCol="0">
-            <a:spAutoFit/>
-          </a:bodyPr>
-          <a:lstStyle/>
-          <a:p>
-            <a:r>
-              <a:rPr lang="fr-FR" sz="3200" dirty="0" smtClean="0"/>
-              <a:t>A y réfléchir</a:t>
-            </a:r>
-            <a:endParaRPr lang="en-US" sz="3200" dirty="0"/>
-          </a:p>
-        </p:txBody>
-      </p:sp>
-      <p:sp>
-        <p:nvSpPr>
-          <p:cNvPr id="18" name="ZoneTexte 17"/>
-          <p:cNvSpPr txBox="1"/>
-          <p:nvPr/>
-        </p:nvSpPr>
-        <p:spPr>
-          <a:xfrm>
-            <a:off x="6718666" y="5461165"/>
-            <a:ext cx="301686" cy="369332"/>
-          </a:xfrm>
-          <a:prstGeom prst="rect">
-            <a:avLst/>
-          </a:prstGeom>
-          <a:noFill/>
-        </p:spPr>
-        <p:txBody>
-          <a:bodyPr wrap="none" rtlCol="0">
-            <a:spAutoFit/>
-          </a:bodyPr>
-          <a:lstStyle/>
-          <a:p>
-            <a:r>
-              <a:rPr lang="fr-FR" dirty="0" smtClean="0">
-                <a:solidFill>
-                  <a:srgbClr val="FF0000"/>
-                </a:solidFill>
-              </a:rPr>
-              <a:t>3</a:t>
-            </a:r>
-            <a:endParaRPr lang="en-US" dirty="0">
-              <a:solidFill>
-                <a:srgbClr val="FF0000"/>
-              </a:solidFill>
-            </a:endParaRPr>
-          </a:p>
-        </p:txBody>
-      </p:sp>
+      <p:pic>
+        <p:nvPicPr>
+          <p:cNvPr id="9" name="Image 8"/>
+          <p:cNvPicPr/>
+          <p:nvPr/>
+        </p:nvPicPr>
+        <p:blipFill>
+          <a:blip r:embed="rId2"/>
+          <a:stretch>
+            <a:fillRect/>
+          </a:stretch>
+        </p:blipFill>
+        <p:spPr>
+          <a:xfrm>
+            <a:off x="746975" y="103031"/>
+            <a:ext cx="10470524" cy="6375042"/>
+          </a:xfrm>
+          <a:prstGeom prst="rect">
+            <a:avLst/>
+          </a:prstGeom>
+        </p:spPr>
+      </p:pic>
     </p:spTree>
     <p:extLst>
       <p:ext uri="{BB962C8B-B14F-4D97-AF65-F5344CB8AC3E}">
@@ -9225,598 +9006,28 @@
           <a:chExt cx="0" cy="0"/>
         </a:xfrm>
       </p:grpSpPr>
-      <p:sp>
-        <p:nvSpPr>
-          <p:cNvPr id="2" name="Rectangle 1"/>
-          <p:cNvSpPr/>
-          <p:nvPr/>
-        </p:nvSpPr>
-        <p:spPr>
-          <a:xfrm>
-            <a:off x="962526" y="577516"/>
-            <a:ext cx="10635916" cy="5694947"/>
-          </a:xfrm>
-          <a:prstGeom prst="rect">
-            <a:avLst/>
-          </a:prstGeom>
-          <a:noFill/>
-        </p:spPr>
-        <p:style>
-          <a:lnRef idx="2">
-            <a:schemeClr val="accent1">
-              <a:shade val="50000"/>
-            </a:schemeClr>
-          </a:lnRef>
-          <a:fillRef idx="1">
-            <a:schemeClr val="accent1"/>
-          </a:fillRef>
-          <a:effectRef idx="0">
-            <a:schemeClr val="accent1"/>
-          </a:effectRef>
-          <a:fontRef idx="minor">
-            <a:schemeClr val="lt1"/>
-          </a:fontRef>
-        </p:style>
-        <p:txBody>
-          <a:bodyPr rtlCol="0" anchor="ctr"/>
-          <a:lstStyle/>
-          <a:p>
-            <a:pPr algn="ctr"/>
-            <a:endParaRPr lang="en-US"/>
-          </a:p>
-        </p:txBody>
-      </p:sp>
-      <p:cxnSp>
-        <p:nvCxnSpPr>
-          <p:cNvPr id="4" name="Connecteur droit 3"/>
-          <p:cNvCxnSpPr/>
-          <p:nvPr/>
-        </p:nvCxnSpPr>
-        <p:spPr>
-          <a:xfrm flipV="1">
-            <a:off x="962526" y="1507958"/>
-            <a:ext cx="10635916" cy="48126"/>
-          </a:xfrm>
-          <a:prstGeom prst="line">
-            <a:avLst/>
-          </a:prstGeom>
-        </p:spPr>
-        <p:style>
-          <a:lnRef idx="1">
-            <a:schemeClr val="accent1"/>
-          </a:lnRef>
-          <a:fillRef idx="0">
-            <a:schemeClr val="accent1"/>
-          </a:fillRef>
-          <a:effectRef idx="0">
-            <a:schemeClr val="accent1"/>
-          </a:effectRef>
-          <a:fontRef idx="minor">
-            <a:schemeClr val="tx1"/>
-          </a:fontRef>
-        </p:style>
-      </p:cxnSp>
-      <p:cxnSp>
-        <p:nvCxnSpPr>
-          <p:cNvPr id="6" name="Connecteur droit 5"/>
-          <p:cNvCxnSpPr/>
-          <p:nvPr/>
-        </p:nvCxnSpPr>
-        <p:spPr>
-          <a:xfrm>
-            <a:off x="962526" y="5197642"/>
-            <a:ext cx="10635916" cy="32084"/>
-          </a:xfrm>
-          <a:prstGeom prst="line">
-            <a:avLst/>
-          </a:prstGeom>
-        </p:spPr>
-        <p:style>
-          <a:lnRef idx="1">
-            <a:schemeClr val="accent1"/>
-          </a:lnRef>
-          <a:fillRef idx="0">
-            <a:schemeClr val="accent1"/>
-          </a:fillRef>
-          <a:effectRef idx="0">
-            <a:schemeClr val="accent1"/>
-          </a:effectRef>
-          <a:fontRef idx="minor">
-            <a:schemeClr val="tx1"/>
-          </a:fontRef>
-        </p:style>
-      </p:cxnSp>
-      <p:sp>
-        <p:nvSpPr>
-          <p:cNvPr id="3" name="ZoneTexte 2"/>
-          <p:cNvSpPr txBox="1"/>
-          <p:nvPr/>
-        </p:nvSpPr>
-        <p:spPr>
-          <a:xfrm>
-            <a:off x="5247474" y="842115"/>
-            <a:ext cx="2651623" cy="461665"/>
-          </a:xfrm>
-          <a:prstGeom prst="rect">
-            <a:avLst/>
-          </a:prstGeom>
-          <a:noFill/>
-        </p:spPr>
-        <p:txBody>
-          <a:bodyPr wrap="none" rtlCol="0">
-            <a:spAutoFit/>
-          </a:bodyPr>
-          <a:lstStyle/>
-          <a:p>
-            <a:r>
-              <a:rPr lang="fr-FR" sz="2400" dirty="0" smtClean="0"/>
-              <a:t>Formulaire véhicule</a:t>
-            </a:r>
-            <a:endParaRPr lang="en-US" dirty="0"/>
-          </a:p>
-        </p:txBody>
-      </p:sp>
-      <p:sp>
-        <p:nvSpPr>
-          <p:cNvPr id="5" name="ZoneTexte 4"/>
-          <p:cNvSpPr txBox="1"/>
-          <p:nvPr/>
-        </p:nvSpPr>
-        <p:spPr>
-          <a:xfrm>
-            <a:off x="5718495" y="5520262"/>
-            <a:ext cx="1123978" cy="461665"/>
-          </a:xfrm>
-          <a:prstGeom prst="rect">
-            <a:avLst/>
-          </a:prstGeom>
-          <a:noFill/>
-        </p:spPr>
-        <p:txBody>
-          <a:bodyPr wrap="square" rtlCol="0">
-            <a:spAutoFit/>
-          </a:bodyPr>
-          <a:lstStyle/>
-          <a:p>
-            <a:r>
-              <a:rPr lang="fr-FR" sz="2400" dirty="0" smtClean="0"/>
-              <a:t>Retour</a:t>
-            </a:r>
-            <a:endParaRPr lang="en-US" sz="2400" dirty="0"/>
-          </a:p>
-        </p:txBody>
-      </p:sp>
-      <p:sp>
-        <p:nvSpPr>
-          <p:cNvPr id="7" name="ZoneTexte 6"/>
-          <p:cNvSpPr txBox="1"/>
-          <p:nvPr/>
-        </p:nvSpPr>
-        <p:spPr>
-          <a:xfrm>
-            <a:off x="3834063" y="2039318"/>
-            <a:ext cx="639919" cy="369332"/>
-          </a:xfrm>
-          <a:prstGeom prst="rect">
-            <a:avLst/>
-          </a:prstGeom>
-          <a:noFill/>
-        </p:spPr>
-        <p:txBody>
-          <a:bodyPr wrap="none" rtlCol="0">
-            <a:spAutoFit/>
-          </a:bodyPr>
-          <a:lstStyle/>
-          <a:p>
-            <a:r>
-              <a:rPr lang="fr-FR" dirty="0" smtClean="0"/>
-              <a:t>Nom</a:t>
-            </a:r>
-            <a:endParaRPr lang="en-US" dirty="0"/>
-          </a:p>
-        </p:txBody>
-      </p:sp>
-      <p:sp>
-        <p:nvSpPr>
-          <p:cNvPr id="8" name="Rectangle 7"/>
-          <p:cNvSpPr/>
-          <p:nvPr/>
-        </p:nvSpPr>
-        <p:spPr>
-          <a:xfrm>
-            <a:off x="4823584" y="2039318"/>
-            <a:ext cx="3309763" cy="369332"/>
-          </a:xfrm>
-          <a:prstGeom prst="rect">
-            <a:avLst/>
-          </a:prstGeom>
-          <a:noFill/>
-        </p:spPr>
-        <p:style>
-          <a:lnRef idx="2">
-            <a:schemeClr val="accent1">
-              <a:shade val="50000"/>
-            </a:schemeClr>
-          </a:lnRef>
-          <a:fillRef idx="1">
-            <a:schemeClr val="accent1"/>
-          </a:fillRef>
-          <a:effectRef idx="0">
-            <a:schemeClr val="accent1"/>
-          </a:effectRef>
-          <a:fontRef idx="minor">
-            <a:schemeClr val="lt1"/>
-          </a:fontRef>
-        </p:style>
-        <p:txBody>
-          <a:bodyPr rtlCol="0" anchor="ctr"/>
-          <a:lstStyle/>
-          <a:p>
-            <a:pPr algn="ctr"/>
-            <a:endParaRPr lang="en-US"/>
-          </a:p>
-        </p:txBody>
-      </p:sp>
-      <p:sp>
-        <p:nvSpPr>
-          <p:cNvPr id="9" name="ZoneTexte 8"/>
-          <p:cNvSpPr txBox="1"/>
-          <p:nvPr/>
-        </p:nvSpPr>
-        <p:spPr>
-          <a:xfrm>
-            <a:off x="3834063" y="2691347"/>
-            <a:ext cx="923843" cy="369332"/>
-          </a:xfrm>
-          <a:prstGeom prst="rect">
-            <a:avLst/>
-          </a:prstGeom>
-          <a:noFill/>
-        </p:spPr>
-        <p:txBody>
-          <a:bodyPr wrap="none" rtlCol="0">
-            <a:spAutoFit/>
-          </a:bodyPr>
-          <a:lstStyle/>
-          <a:p>
-            <a:r>
-              <a:rPr lang="fr-FR" dirty="0" smtClean="0"/>
-              <a:t>Prénom</a:t>
-            </a:r>
-            <a:endParaRPr lang="en-US" dirty="0"/>
-          </a:p>
-        </p:txBody>
-      </p:sp>
-      <p:sp>
-        <p:nvSpPr>
-          <p:cNvPr id="10" name="Rectangle 9"/>
-          <p:cNvSpPr/>
-          <p:nvPr/>
-        </p:nvSpPr>
-        <p:spPr>
-          <a:xfrm>
-            <a:off x="4823584" y="2691347"/>
-            <a:ext cx="3309763" cy="369332"/>
-          </a:xfrm>
-          <a:prstGeom prst="rect">
-            <a:avLst/>
-          </a:prstGeom>
-          <a:noFill/>
-        </p:spPr>
-        <p:style>
-          <a:lnRef idx="2">
-            <a:schemeClr val="accent1">
-              <a:shade val="50000"/>
-            </a:schemeClr>
-          </a:lnRef>
-          <a:fillRef idx="1">
-            <a:schemeClr val="accent1"/>
-          </a:fillRef>
-          <a:effectRef idx="0">
-            <a:schemeClr val="accent1"/>
-          </a:effectRef>
-          <a:fontRef idx="minor">
-            <a:schemeClr val="lt1"/>
-          </a:fontRef>
-        </p:style>
-        <p:txBody>
-          <a:bodyPr rtlCol="0" anchor="ctr"/>
-          <a:lstStyle/>
-          <a:p>
-            <a:pPr algn="ctr"/>
-            <a:endParaRPr lang="en-US"/>
-          </a:p>
-        </p:txBody>
-      </p:sp>
-      <p:sp>
-        <p:nvSpPr>
-          <p:cNvPr id="11" name="ZoneTexte 10"/>
-          <p:cNvSpPr txBox="1"/>
-          <p:nvPr/>
-        </p:nvSpPr>
-        <p:spPr>
-          <a:xfrm>
-            <a:off x="3834063" y="3298420"/>
-            <a:ext cx="927049" cy="369332"/>
-          </a:xfrm>
-          <a:prstGeom prst="rect">
-            <a:avLst/>
-          </a:prstGeom>
-          <a:noFill/>
-        </p:spPr>
-        <p:txBody>
-          <a:bodyPr wrap="none" rtlCol="0">
-            <a:spAutoFit/>
-          </a:bodyPr>
-          <a:lstStyle/>
-          <a:p>
-            <a:r>
-              <a:rPr lang="fr-FR" dirty="0" smtClean="0"/>
-              <a:t>Adresse</a:t>
-            </a:r>
-            <a:endParaRPr lang="en-US" dirty="0"/>
-          </a:p>
-        </p:txBody>
-      </p:sp>
-      <p:sp>
-        <p:nvSpPr>
-          <p:cNvPr id="12" name="Rectangle 11"/>
-          <p:cNvSpPr/>
-          <p:nvPr/>
-        </p:nvSpPr>
-        <p:spPr>
-          <a:xfrm>
-            <a:off x="4823584" y="3298420"/>
-            <a:ext cx="3309763" cy="369332"/>
-          </a:xfrm>
-          <a:prstGeom prst="rect">
-            <a:avLst/>
-          </a:prstGeom>
-          <a:noFill/>
-        </p:spPr>
-        <p:style>
-          <a:lnRef idx="2">
-            <a:schemeClr val="accent1">
-              <a:shade val="50000"/>
-            </a:schemeClr>
-          </a:lnRef>
-          <a:fillRef idx="1">
-            <a:schemeClr val="accent1"/>
-          </a:fillRef>
-          <a:effectRef idx="0">
-            <a:schemeClr val="accent1"/>
-          </a:effectRef>
-          <a:fontRef idx="minor">
-            <a:schemeClr val="lt1"/>
-          </a:fontRef>
-        </p:style>
-        <p:txBody>
-          <a:bodyPr rtlCol="0" anchor="ctr"/>
-          <a:lstStyle/>
-          <a:p>
-            <a:pPr algn="ctr"/>
-            <a:endParaRPr lang="en-US"/>
-          </a:p>
-        </p:txBody>
-      </p:sp>
-      <p:sp>
-        <p:nvSpPr>
-          <p:cNvPr id="13" name="ZoneTexte 12"/>
-          <p:cNvSpPr txBox="1"/>
-          <p:nvPr/>
-        </p:nvSpPr>
-        <p:spPr>
-          <a:xfrm>
-            <a:off x="3834063" y="3958288"/>
-            <a:ext cx="1140120" cy="369332"/>
-          </a:xfrm>
-          <a:prstGeom prst="rect">
-            <a:avLst/>
-          </a:prstGeom>
-          <a:noFill/>
-        </p:spPr>
-        <p:txBody>
-          <a:bodyPr wrap="none" rtlCol="0">
-            <a:spAutoFit/>
-          </a:bodyPr>
-          <a:lstStyle/>
-          <a:p>
-            <a:r>
-              <a:rPr lang="fr-FR" dirty="0" smtClean="0"/>
-              <a:t>Assurance</a:t>
-            </a:r>
-            <a:endParaRPr lang="en-US" dirty="0"/>
-          </a:p>
-        </p:txBody>
-      </p:sp>
-      <p:sp>
-        <p:nvSpPr>
-          <p:cNvPr id="15" name="Rectangle 14"/>
-          <p:cNvSpPr/>
-          <p:nvPr/>
-        </p:nvSpPr>
-        <p:spPr>
-          <a:xfrm>
-            <a:off x="5814232" y="3958288"/>
-            <a:ext cx="281768" cy="369332"/>
-          </a:xfrm>
-          <a:prstGeom prst="rect">
-            <a:avLst/>
-          </a:prstGeom>
-          <a:noFill/>
-        </p:spPr>
-        <p:style>
-          <a:lnRef idx="2">
-            <a:schemeClr val="accent1">
-              <a:shade val="50000"/>
-            </a:schemeClr>
-          </a:lnRef>
-          <a:fillRef idx="1">
-            <a:schemeClr val="accent1"/>
-          </a:fillRef>
-          <a:effectRef idx="0">
-            <a:schemeClr val="accent1"/>
-          </a:effectRef>
-          <a:fontRef idx="minor">
-            <a:schemeClr val="lt1"/>
-          </a:fontRef>
-        </p:style>
-        <p:txBody>
-          <a:bodyPr rtlCol="0" anchor="ctr"/>
-          <a:lstStyle/>
-          <a:p>
-            <a:pPr algn="ctr"/>
-            <a:endParaRPr lang="en-US"/>
-          </a:p>
-        </p:txBody>
-      </p:sp>
-      <p:sp>
-        <p:nvSpPr>
-          <p:cNvPr id="16" name="ZoneTexte 15"/>
-          <p:cNvSpPr txBox="1"/>
-          <p:nvPr/>
-        </p:nvSpPr>
-        <p:spPr>
-          <a:xfrm>
-            <a:off x="5814232" y="4683042"/>
-            <a:ext cx="837089" cy="369332"/>
-          </a:xfrm>
-          <a:prstGeom prst="rect">
-            <a:avLst/>
-          </a:prstGeom>
-          <a:noFill/>
-        </p:spPr>
-        <p:txBody>
-          <a:bodyPr wrap="none" rtlCol="0">
-            <a:spAutoFit/>
-          </a:bodyPr>
-          <a:lstStyle/>
-          <a:p>
-            <a:r>
-              <a:rPr lang="fr-FR" dirty="0" smtClean="0"/>
-              <a:t>Valider</a:t>
-            </a:r>
-            <a:endParaRPr lang="en-US" dirty="0"/>
-          </a:p>
-        </p:txBody>
-      </p:sp>
-      <p:sp>
-        <p:nvSpPr>
-          <p:cNvPr id="17" name="Rectangle 16"/>
-          <p:cNvSpPr/>
-          <p:nvPr/>
-        </p:nvSpPr>
-        <p:spPr>
-          <a:xfrm>
-            <a:off x="5630779" y="4683042"/>
-            <a:ext cx="1307431" cy="369332"/>
-          </a:xfrm>
-          <a:prstGeom prst="rect">
-            <a:avLst/>
-          </a:prstGeom>
-          <a:noFill/>
-        </p:spPr>
-        <p:style>
-          <a:lnRef idx="2">
-            <a:schemeClr val="accent1">
-              <a:shade val="50000"/>
-            </a:schemeClr>
-          </a:lnRef>
-          <a:fillRef idx="1">
-            <a:schemeClr val="accent1"/>
-          </a:fillRef>
-          <a:effectRef idx="0">
-            <a:schemeClr val="accent1"/>
-          </a:effectRef>
-          <a:fontRef idx="minor">
-            <a:schemeClr val="lt1"/>
-          </a:fontRef>
-        </p:style>
-        <p:txBody>
-          <a:bodyPr rtlCol="0" anchor="ctr"/>
-          <a:lstStyle/>
-          <a:p>
-            <a:pPr algn="ctr"/>
-            <a:endParaRPr lang="en-US"/>
-          </a:p>
-        </p:txBody>
-      </p:sp>
-      <p:sp>
-        <p:nvSpPr>
-          <p:cNvPr id="18" name="ZoneTexte 17"/>
-          <p:cNvSpPr txBox="1"/>
-          <p:nvPr/>
-        </p:nvSpPr>
-        <p:spPr>
-          <a:xfrm>
-            <a:off x="6629126" y="4722440"/>
-            <a:ext cx="301686" cy="369332"/>
-          </a:xfrm>
-          <a:prstGeom prst="rect">
-            <a:avLst/>
-          </a:prstGeom>
-          <a:noFill/>
-        </p:spPr>
-        <p:txBody>
-          <a:bodyPr wrap="none" rtlCol="0">
-            <a:spAutoFit/>
-          </a:bodyPr>
-          <a:lstStyle/>
-          <a:p>
-            <a:r>
-              <a:rPr lang="fr-FR" dirty="0" smtClean="0">
-                <a:solidFill>
-                  <a:srgbClr val="FF0000"/>
-                </a:solidFill>
-              </a:rPr>
-              <a:t>9</a:t>
-            </a:r>
-            <a:endParaRPr lang="en-US" dirty="0">
-              <a:solidFill>
-                <a:srgbClr val="FF0000"/>
-              </a:solidFill>
-            </a:endParaRPr>
-          </a:p>
-        </p:txBody>
-      </p:sp>
-      <p:sp>
-        <p:nvSpPr>
-          <p:cNvPr id="19" name="ZoneTexte 18"/>
-          <p:cNvSpPr txBox="1"/>
-          <p:nvPr/>
-        </p:nvSpPr>
-        <p:spPr>
-          <a:xfrm>
-            <a:off x="6651321" y="5605377"/>
-            <a:ext cx="301686" cy="369332"/>
-          </a:xfrm>
-          <a:prstGeom prst="rect">
-            <a:avLst/>
-          </a:prstGeom>
-          <a:noFill/>
-        </p:spPr>
-        <p:txBody>
-          <a:bodyPr wrap="none" rtlCol="0">
-            <a:spAutoFit/>
-          </a:bodyPr>
-          <a:lstStyle/>
-          <a:p>
-            <a:r>
-              <a:rPr lang="fr-FR" dirty="0" smtClean="0">
-                <a:solidFill>
-                  <a:srgbClr val="FF0000"/>
-                </a:solidFill>
-              </a:rPr>
-              <a:t>3</a:t>
-            </a:r>
-            <a:endParaRPr lang="en-US" dirty="0">
-              <a:solidFill>
-                <a:srgbClr val="FF0000"/>
-              </a:solidFill>
-            </a:endParaRPr>
-          </a:p>
-        </p:txBody>
-      </p:sp>
+      <p:pic>
+        <p:nvPicPr>
+          <p:cNvPr id="20" name="Image 19"/>
+          <p:cNvPicPr/>
+          <p:nvPr/>
+        </p:nvPicPr>
+        <p:blipFill>
+          <a:blip r:embed="rId2"/>
+          <a:stretch>
+            <a:fillRect/>
+          </a:stretch>
+        </p:blipFill>
+        <p:spPr>
+          <a:xfrm>
+            <a:off x="309093" y="283335"/>
+            <a:ext cx="11204620" cy="6220495"/>
+          </a:xfrm>
+          <a:prstGeom prst="rect">
+            <a:avLst/>
+          </a:prstGeom>
+        </p:spPr>
+      </p:pic>
     </p:spTree>
     <p:extLst>
       <p:ext uri="{BB962C8B-B14F-4D97-AF65-F5344CB8AC3E}">

--- a/src/Layout/Visuel_ecran.pptx
+++ b/src/Layout/Visuel_ecran.pptx
@@ -16,6 +16,7 @@
     <p:sldId id="265" r:id="rId10"/>
     <p:sldId id="266" r:id="rId11"/>
     <p:sldId id="270" r:id="rId12"/>
+    <p:sldId id="271" r:id="rId13"/>
   </p:sldIdLst>
   <p:sldSz cx="12192000" cy="6858000"/>
   <p:notesSz cx="6858000" cy="9144000"/>
@@ -253,7 +254,7 @@
           <a:p>
             <a:fld id="{7833CD60-A37C-4C79-8A65-B2C978C46171}" type="datetimeFigureOut">
               <a:rPr lang="en-US" smtClean="0"/>
-              <a:t>5/8/2016</a:t>
+              <a:t>5/9/2016</a:t>
             </a:fld>
             <a:endParaRPr lang="en-US"/>
           </a:p>
@@ -423,7 +424,7 @@
           <a:p>
             <a:fld id="{7833CD60-A37C-4C79-8A65-B2C978C46171}" type="datetimeFigureOut">
               <a:rPr lang="en-US" smtClean="0"/>
-              <a:t>5/8/2016</a:t>
+              <a:t>5/9/2016</a:t>
             </a:fld>
             <a:endParaRPr lang="en-US"/>
           </a:p>
@@ -603,7 +604,7 @@
           <a:p>
             <a:fld id="{7833CD60-A37C-4C79-8A65-B2C978C46171}" type="datetimeFigureOut">
               <a:rPr lang="en-US" smtClean="0"/>
-              <a:t>5/8/2016</a:t>
+              <a:t>5/9/2016</a:t>
             </a:fld>
             <a:endParaRPr lang="en-US"/>
           </a:p>
@@ -773,7 +774,7 @@
           <a:p>
             <a:fld id="{7833CD60-A37C-4C79-8A65-B2C978C46171}" type="datetimeFigureOut">
               <a:rPr lang="en-US" smtClean="0"/>
-              <a:t>5/8/2016</a:t>
+              <a:t>5/9/2016</a:t>
             </a:fld>
             <a:endParaRPr lang="en-US"/>
           </a:p>
@@ -1019,7 +1020,7 @@
           <a:p>
             <a:fld id="{7833CD60-A37C-4C79-8A65-B2C978C46171}" type="datetimeFigureOut">
               <a:rPr lang="en-US" smtClean="0"/>
-              <a:t>5/8/2016</a:t>
+              <a:t>5/9/2016</a:t>
             </a:fld>
             <a:endParaRPr lang="en-US"/>
           </a:p>
@@ -1251,7 +1252,7 @@
           <a:p>
             <a:fld id="{7833CD60-A37C-4C79-8A65-B2C978C46171}" type="datetimeFigureOut">
               <a:rPr lang="en-US" smtClean="0"/>
-              <a:t>5/8/2016</a:t>
+              <a:t>5/9/2016</a:t>
             </a:fld>
             <a:endParaRPr lang="en-US"/>
           </a:p>
@@ -1618,7 +1619,7 @@
           <a:p>
             <a:fld id="{7833CD60-A37C-4C79-8A65-B2C978C46171}" type="datetimeFigureOut">
               <a:rPr lang="en-US" smtClean="0"/>
-              <a:t>5/8/2016</a:t>
+              <a:t>5/9/2016</a:t>
             </a:fld>
             <a:endParaRPr lang="en-US"/>
           </a:p>
@@ -1736,7 +1737,7 @@
           <a:p>
             <a:fld id="{7833CD60-A37C-4C79-8A65-B2C978C46171}" type="datetimeFigureOut">
               <a:rPr lang="en-US" smtClean="0"/>
-              <a:t>5/8/2016</a:t>
+              <a:t>5/9/2016</a:t>
             </a:fld>
             <a:endParaRPr lang="en-US"/>
           </a:p>
@@ -1831,7 +1832,7 @@
           <a:p>
             <a:fld id="{7833CD60-A37C-4C79-8A65-B2C978C46171}" type="datetimeFigureOut">
               <a:rPr lang="en-US" smtClean="0"/>
-              <a:t>5/8/2016</a:t>
+              <a:t>5/9/2016</a:t>
             </a:fld>
             <a:endParaRPr lang="en-US"/>
           </a:p>
@@ -2108,7 +2109,7 @@
           <a:p>
             <a:fld id="{7833CD60-A37C-4C79-8A65-B2C978C46171}" type="datetimeFigureOut">
               <a:rPr lang="en-US" smtClean="0"/>
-              <a:t>5/8/2016</a:t>
+              <a:t>5/9/2016</a:t>
             </a:fld>
             <a:endParaRPr lang="en-US"/>
           </a:p>
@@ -2361,7 +2362,7 @@
           <a:p>
             <a:fld id="{7833CD60-A37C-4C79-8A65-B2C978C46171}" type="datetimeFigureOut">
               <a:rPr lang="en-US" smtClean="0"/>
-              <a:t>5/8/2016</a:t>
+              <a:t>5/9/2016</a:t>
             </a:fld>
             <a:endParaRPr lang="en-US"/>
           </a:p>
@@ -2574,7 +2575,7 @@
           <a:p>
             <a:fld id="{7833CD60-A37C-4C79-8A65-B2C978C46171}" type="datetimeFigureOut">
               <a:rPr lang="en-US" smtClean="0"/>
-              <a:t>5/8/2016</a:t>
+              <a:t>5/9/2016</a:t>
             </a:fld>
             <a:endParaRPr lang="en-US"/>
           </a:p>
@@ -3014,8 +3015,8 @@
         </p:nvSpPr>
         <p:spPr/>
         <p:txBody>
-          <a:bodyPr>
-            <a:normAutofit fontScale="85000" lnSpcReduction="20000"/>
+          <a:bodyPr numCol="2">
+            <a:normAutofit/>
           </a:bodyPr>
           <a:lstStyle/>
           <a:p>
@@ -3025,8 +3026,9 @@
             </a:pPr>
             <a:r>
               <a:rPr lang="fr-FR" dirty="0" smtClean="0"/>
-              <a:t>sommaire</a:t>
-            </a:r>
+              <a:t>Login</a:t>
+            </a:r>
+            <a:endParaRPr lang="fr-FR" dirty="0" smtClean="0"/>
           </a:p>
           <a:p>
             <a:pPr marL="514350" indent="-514350">
@@ -3035,7 +3037,7 @@
             </a:pPr>
             <a:r>
               <a:rPr lang="fr-FR" dirty="0" smtClean="0"/>
-              <a:t>Login</a:t>
+              <a:t>Menu</a:t>
             </a:r>
           </a:p>
           <a:p>
@@ -3045,7 +3047,7 @@
             </a:pPr>
             <a:r>
               <a:rPr lang="fr-FR" dirty="0" smtClean="0"/>
-              <a:t>Menu</a:t>
+              <a:t>Emprunteur</a:t>
             </a:r>
           </a:p>
           <a:p>
@@ -3055,7 +3057,7 @@
             </a:pPr>
             <a:r>
               <a:rPr lang="fr-FR" dirty="0" smtClean="0"/>
-              <a:t>Emprunteur</a:t>
+              <a:t>Devis</a:t>
             </a:r>
           </a:p>
           <a:p>
@@ -3065,7 +3067,7 @@
             </a:pPr>
             <a:r>
               <a:rPr lang="fr-FR" dirty="0" smtClean="0"/>
-              <a:t>Devis</a:t>
+              <a:t>Véhicule</a:t>
             </a:r>
           </a:p>
           <a:p>
@@ -3075,7 +3077,7 @@
             </a:pPr>
             <a:r>
               <a:rPr lang="fr-FR" dirty="0" smtClean="0"/>
-              <a:t>Véhicule</a:t>
+              <a:t>Catalogue</a:t>
             </a:r>
           </a:p>
           <a:p>
@@ -3085,7 +3087,7 @@
             </a:pPr>
             <a:r>
               <a:rPr lang="fr-FR" dirty="0" smtClean="0"/>
-              <a:t>Catalogue</a:t>
+              <a:t>Formulaire Emprunteur</a:t>
             </a:r>
           </a:p>
           <a:p>
@@ -3095,7 +3097,7 @@
             </a:pPr>
             <a:r>
               <a:rPr lang="fr-FR" dirty="0" smtClean="0"/>
-              <a:t>Formulaire Emprunteur</a:t>
+              <a:t>Formulaire Véhicule</a:t>
             </a:r>
           </a:p>
           <a:p>
@@ -3105,7 +3107,7 @@
             </a:pPr>
             <a:r>
               <a:rPr lang="fr-FR" dirty="0" smtClean="0"/>
-              <a:t>Formulaire Véhicule</a:t>
+              <a:t>Formulaire Devis</a:t>
             </a:r>
           </a:p>
           <a:p>
@@ -3115,7 +3117,11 @@
             </a:pPr>
             <a:r>
               <a:rPr lang="fr-FR" dirty="0" smtClean="0"/>
-              <a:t>Formulaire Devis</a:t>
+              <a:t>Retour </a:t>
+            </a:r>
+            <a:r>
+              <a:rPr lang="fr-FR" dirty="0" smtClean="0"/>
+              <a:t>véhicule</a:t>
             </a:r>
           </a:p>
           <a:p>
@@ -3125,7 +3131,11 @@
             </a:pPr>
             <a:r>
               <a:rPr lang="fr-FR" dirty="0" smtClean="0"/>
-              <a:t>Retour véhicule</a:t>
+              <a:t>Supprimer </a:t>
+            </a:r>
+            <a:r>
+              <a:rPr lang="fr-FR" dirty="0" err="1" smtClean="0"/>
+              <a:t>vehicule</a:t>
             </a:r>
             <a:endParaRPr lang="en-US" dirty="0"/>
           </a:p>
@@ -3861,6 +3871,426 @@
     <p:extLst>
       <p:ext uri="{BB962C8B-B14F-4D97-AF65-F5344CB8AC3E}">
         <p14:creationId xmlns:p14="http://schemas.microsoft.com/office/powerpoint/2010/main" val="165452906"/>
+      </p:ext>
+    </p:extLst>
+  </p:cSld>
+  <p:clrMapOvr>
+    <a:masterClrMapping/>
+  </p:clrMapOvr>
+  <p:timing>
+    <p:tnLst>
+      <p:par>
+        <p:cTn id="1" dur="indefinite" restart="never" nodeType="tmRoot"/>
+      </p:par>
+    </p:tnLst>
+  </p:timing>
+</p:sld>
+</file>
+
+<file path=ppt/slides/slide12.xml><?xml version="1.0" encoding="utf-8"?>
+<p:sld xmlns:a="http://schemas.openxmlformats.org/drawingml/2006/main" xmlns:r="http://schemas.openxmlformats.org/officeDocument/2006/relationships" xmlns:p="http://schemas.openxmlformats.org/presentationml/2006/main">
+  <p:cSld>
+    <p:spTree>
+      <p:nvGrpSpPr>
+        <p:cNvPr id="1" name=""/>
+        <p:cNvGrpSpPr/>
+        <p:nvPr/>
+      </p:nvGrpSpPr>
+      <p:grpSpPr>
+        <a:xfrm>
+          <a:off x="0" y="0"/>
+          <a:ext cx="0" cy="0"/>
+          <a:chOff x="0" y="0"/>
+          <a:chExt cx="0" cy="0"/>
+        </a:xfrm>
+      </p:grpSpPr>
+      <p:sp>
+        <p:nvSpPr>
+          <p:cNvPr id="2" name="Rectangle 1"/>
+          <p:cNvSpPr/>
+          <p:nvPr/>
+        </p:nvSpPr>
+        <p:spPr>
+          <a:xfrm>
+            <a:off x="962526" y="577516"/>
+            <a:ext cx="10635916" cy="5694947"/>
+          </a:xfrm>
+          <a:prstGeom prst="rect">
+            <a:avLst/>
+          </a:prstGeom>
+          <a:noFill/>
+        </p:spPr>
+        <p:style>
+          <a:lnRef idx="2">
+            <a:schemeClr val="accent1">
+              <a:shade val="50000"/>
+            </a:schemeClr>
+          </a:lnRef>
+          <a:fillRef idx="1">
+            <a:schemeClr val="accent1"/>
+          </a:fillRef>
+          <a:effectRef idx="0">
+            <a:schemeClr val="accent1"/>
+          </a:effectRef>
+          <a:fontRef idx="minor">
+            <a:schemeClr val="lt1"/>
+          </a:fontRef>
+        </p:style>
+        <p:txBody>
+          <a:bodyPr rtlCol="0" anchor="ctr"/>
+          <a:lstStyle/>
+          <a:p>
+            <a:pPr algn="ctr"/>
+            <a:endParaRPr lang="en-US"/>
+          </a:p>
+        </p:txBody>
+      </p:sp>
+      <p:cxnSp>
+        <p:nvCxnSpPr>
+          <p:cNvPr id="4" name="Connecteur droit 3"/>
+          <p:cNvCxnSpPr/>
+          <p:nvPr/>
+        </p:nvCxnSpPr>
+        <p:spPr>
+          <a:xfrm flipV="1">
+            <a:off x="962526" y="1507958"/>
+            <a:ext cx="10635916" cy="48126"/>
+          </a:xfrm>
+          <a:prstGeom prst="line">
+            <a:avLst/>
+          </a:prstGeom>
+        </p:spPr>
+        <p:style>
+          <a:lnRef idx="1">
+            <a:schemeClr val="accent1"/>
+          </a:lnRef>
+          <a:fillRef idx="0">
+            <a:schemeClr val="accent1"/>
+          </a:fillRef>
+          <a:effectRef idx="0">
+            <a:schemeClr val="accent1"/>
+          </a:effectRef>
+          <a:fontRef idx="minor">
+            <a:schemeClr val="tx1"/>
+          </a:fontRef>
+        </p:style>
+      </p:cxnSp>
+      <p:cxnSp>
+        <p:nvCxnSpPr>
+          <p:cNvPr id="6" name="Connecteur droit 5"/>
+          <p:cNvCxnSpPr/>
+          <p:nvPr/>
+        </p:nvCxnSpPr>
+        <p:spPr>
+          <a:xfrm>
+            <a:off x="962526" y="5197642"/>
+            <a:ext cx="10635916" cy="32084"/>
+          </a:xfrm>
+          <a:prstGeom prst="line">
+            <a:avLst/>
+          </a:prstGeom>
+        </p:spPr>
+        <p:style>
+          <a:lnRef idx="1">
+            <a:schemeClr val="accent1"/>
+          </a:lnRef>
+          <a:fillRef idx="0">
+            <a:schemeClr val="accent1"/>
+          </a:fillRef>
+          <a:effectRef idx="0">
+            <a:schemeClr val="accent1"/>
+          </a:effectRef>
+          <a:fontRef idx="minor">
+            <a:schemeClr val="tx1"/>
+          </a:fontRef>
+        </p:style>
+      </p:cxnSp>
+      <p:sp>
+        <p:nvSpPr>
+          <p:cNvPr id="3" name="ZoneTexte 2"/>
+          <p:cNvSpPr txBox="1"/>
+          <p:nvPr/>
+        </p:nvSpPr>
+        <p:spPr>
+          <a:xfrm>
+            <a:off x="4823584" y="901025"/>
+            <a:ext cx="2996526" cy="461665"/>
+          </a:xfrm>
+          <a:prstGeom prst="rect">
+            <a:avLst/>
+          </a:prstGeom>
+          <a:noFill/>
+        </p:spPr>
+        <p:txBody>
+          <a:bodyPr wrap="none" rtlCol="0">
+            <a:spAutoFit/>
+          </a:bodyPr>
+          <a:lstStyle/>
+          <a:p>
+            <a:r>
+              <a:rPr lang="fr-FR" sz="2400" dirty="0" smtClean="0"/>
+              <a:t>Supprimer un </a:t>
+            </a:r>
+            <a:r>
+              <a:rPr lang="fr-FR" sz="2400" dirty="0"/>
+              <a:t>véhicule</a:t>
+            </a:r>
+            <a:endParaRPr lang="en-US" sz="2400" dirty="0"/>
+          </a:p>
+        </p:txBody>
+      </p:sp>
+      <p:sp>
+        <p:nvSpPr>
+          <p:cNvPr id="5" name="ZoneTexte 4"/>
+          <p:cNvSpPr txBox="1"/>
+          <p:nvPr/>
+        </p:nvSpPr>
+        <p:spPr>
+          <a:xfrm>
+            <a:off x="5670787" y="5501635"/>
+            <a:ext cx="1123978" cy="461665"/>
+          </a:xfrm>
+          <a:prstGeom prst="rect">
+            <a:avLst/>
+          </a:prstGeom>
+          <a:noFill/>
+        </p:spPr>
+        <p:txBody>
+          <a:bodyPr wrap="square" rtlCol="0">
+            <a:spAutoFit/>
+          </a:bodyPr>
+          <a:lstStyle/>
+          <a:p>
+            <a:r>
+              <a:rPr lang="fr-FR" sz="2400" dirty="0" smtClean="0"/>
+              <a:t>Retour</a:t>
+            </a:r>
+            <a:endParaRPr lang="en-US" sz="2400" dirty="0"/>
+          </a:p>
+        </p:txBody>
+      </p:sp>
+      <p:sp>
+        <p:nvSpPr>
+          <p:cNvPr id="18" name="ZoneTexte 17"/>
+          <p:cNvSpPr txBox="1"/>
+          <p:nvPr/>
+        </p:nvSpPr>
+        <p:spPr>
+          <a:xfrm>
+            <a:off x="6651321" y="5576148"/>
+            <a:ext cx="301686" cy="369332"/>
+          </a:xfrm>
+          <a:prstGeom prst="rect">
+            <a:avLst/>
+          </a:prstGeom>
+          <a:noFill/>
+        </p:spPr>
+        <p:txBody>
+          <a:bodyPr wrap="none" rtlCol="0">
+            <a:spAutoFit/>
+          </a:bodyPr>
+          <a:lstStyle/>
+          <a:p>
+            <a:r>
+              <a:rPr lang="fr-FR" dirty="0" smtClean="0">
+                <a:solidFill>
+                  <a:srgbClr val="FF0000"/>
+                </a:solidFill>
+              </a:rPr>
+              <a:t>3</a:t>
+            </a:r>
+            <a:endParaRPr lang="en-US" dirty="0">
+              <a:solidFill>
+                <a:srgbClr val="FF0000"/>
+              </a:solidFill>
+            </a:endParaRPr>
+          </a:p>
+        </p:txBody>
+      </p:sp>
+      <p:sp>
+        <p:nvSpPr>
+          <p:cNvPr id="27" name="ZoneTexte 26"/>
+          <p:cNvSpPr txBox="1"/>
+          <p:nvPr/>
+        </p:nvSpPr>
+        <p:spPr>
+          <a:xfrm>
+            <a:off x="5805294" y="3744216"/>
+            <a:ext cx="837089" cy="369332"/>
+          </a:xfrm>
+          <a:prstGeom prst="rect">
+            <a:avLst/>
+          </a:prstGeom>
+          <a:noFill/>
+        </p:spPr>
+        <p:txBody>
+          <a:bodyPr wrap="none" rtlCol="0">
+            <a:spAutoFit/>
+          </a:bodyPr>
+          <a:lstStyle/>
+          <a:p>
+            <a:r>
+              <a:rPr lang="fr-FR" dirty="0" smtClean="0"/>
+              <a:t>Valider</a:t>
+            </a:r>
+            <a:endParaRPr lang="en-US" dirty="0"/>
+          </a:p>
+        </p:txBody>
+      </p:sp>
+      <p:sp>
+        <p:nvSpPr>
+          <p:cNvPr id="28" name="Rectangle 27"/>
+          <p:cNvSpPr/>
+          <p:nvPr/>
+        </p:nvSpPr>
+        <p:spPr>
+          <a:xfrm>
+            <a:off x="5579060" y="3744216"/>
+            <a:ext cx="1307431" cy="369332"/>
+          </a:xfrm>
+          <a:prstGeom prst="rect">
+            <a:avLst/>
+          </a:prstGeom>
+          <a:noFill/>
+        </p:spPr>
+        <p:style>
+          <a:lnRef idx="2">
+            <a:schemeClr val="accent1">
+              <a:shade val="50000"/>
+            </a:schemeClr>
+          </a:lnRef>
+          <a:fillRef idx="1">
+            <a:schemeClr val="accent1"/>
+          </a:fillRef>
+          <a:effectRef idx="0">
+            <a:schemeClr val="accent1"/>
+          </a:effectRef>
+          <a:fontRef idx="minor">
+            <a:schemeClr val="lt1"/>
+          </a:fontRef>
+        </p:style>
+        <p:txBody>
+          <a:bodyPr rtlCol="0" anchor="ctr"/>
+          <a:lstStyle/>
+          <a:p>
+            <a:pPr algn="ctr"/>
+            <a:endParaRPr lang="en-US"/>
+          </a:p>
+        </p:txBody>
+      </p:sp>
+      <p:sp>
+        <p:nvSpPr>
+          <p:cNvPr id="29" name="ZoneTexte 28"/>
+          <p:cNvSpPr txBox="1"/>
+          <p:nvPr/>
+        </p:nvSpPr>
+        <p:spPr>
+          <a:xfrm>
+            <a:off x="6556016" y="3744216"/>
+            <a:ext cx="301686" cy="369332"/>
+          </a:xfrm>
+          <a:prstGeom prst="rect">
+            <a:avLst/>
+          </a:prstGeom>
+          <a:noFill/>
+        </p:spPr>
+        <p:txBody>
+          <a:bodyPr wrap="none" rtlCol="0">
+            <a:spAutoFit/>
+          </a:bodyPr>
+          <a:lstStyle/>
+          <a:p>
+            <a:r>
+              <a:rPr lang="fr-FR" dirty="0">
+                <a:solidFill>
+                  <a:srgbClr val="FF0000"/>
+                </a:solidFill>
+              </a:rPr>
+              <a:t>4</a:t>
+            </a:r>
+            <a:endParaRPr lang="en-US" dirty="0">
+              <a:solidFill>
+                <a:srgbClr val="FF0000"/>
+              </a:solidFill>
+            </a:endParaRPr>
+          </a:p>
+        </p:txBody>
+      </p:sp>
+      <p:sp>
+        <p:nvSpPr>
+          <p:cNvPr id="30" name="ZoneTexte 29"/>
+          <p:cNvSpPr txBox="1"/>
+          <p:nvPr/>
+        </p:nvSpPr>
+        <p:spPr>
+          <a:xfrm>
+            <a:off x="5796755" y="2349926"/>
+            <a:ext cx="1217962" cy="369332"/>
+          </a:xfrm>
+          <a:prstGeom prst="rect">
+            <a:avLst/>
+          </a:prstGeom>
+          <a:noFill/>
+        </p:spPr>
+        <p:txBody>
+          <a:bodyPr wrap="none" rtlCol="0">
+            <a:spAutoFit/>
+          </a:bodyPr>
+          <a:lstStyle/>
+          <a:p>
+            <a:r>
+              <a:rPr lang="fr-FR" dirty="0" smtClean="0"/>
+              <a:t>ID véhicule</a:t>
+            </a:r>
+            <a:endParaRPr lang="en-US" dirty="0"/>
+          </a:p>
+        </p:txBody>
+      </p:sp>
+      <p:sp>
+        <p:nvSpPr>
+          <p:cNvPr id="31" name="Rectangle 30"/>
+          <p:cNvSpPr/>
+          <p:nvPr/>
+        </p:nvSpPr>
+        <p:spPr>
+          <a:xfrm>
+            <a:off x="4809408" y="2950374"/>
+            <a:ext cx="3309763" cy="369332"/>
+          </a:xfrm>
+          <a:prstGeom prst="rect">
+            <a:avLst/>
+          </a:prstGeom>
+          <a:noFill/>
+        </p:spPr>
+        <p:style>
+          <a:lnRef idx="2">
+            <a:schemeClr val="accent1">
+              <a:shade val="50000"/>
+            </a:schemeClr>
+          </a:lnRef>
+          <a:fillRef idx="1">
+            <a:schemeClr val="accent1"/>
+          </a:fillRef>
+          <a:effectRef idx="0">
+            <a:schemeClr val="accent1"/>
+          </a:effectRef>
+          <a:fontRef idx="minor">
+            <a:schemeClr val="lt1"/>
+          </a:fontRef>
+        </p:style>
+        <p:txBody>
+          <a:bodyPr rtlCol="0" anchor="ctr"/>
+          <a:lstStyle/>
+          <a:p>
+            <a:pPr algn="ctr"/>
+            <a:endParaRPr lang="en-US"/>
+          </a:p>
+        </p:txBody>
+      </p:sp>
+    </p:spTree>
+    <p:extLst>
+      <p:ext uri="{BB962C8B-B14F-4D97-AF65-F5344CB8AC3E}">
+        <p14:creationId xmlns:p14="http://schemas.microsoft.com/office/powerpoint/2010/main" val="2839130100"/>
       </p:ext>
     </p:extLst>
   </p:cSld>
